--- a/Final.pptx
+++ b/Final.pptx
@@ -5,13 +5,14 @@
     <p:sldMasterId id="2147483877" r:id="rId1"/>
   </p:sldMasterIdLst>
   <p:notesMasterIdLst>
-    <p:notesMasterId r:id="rId6"/>
+    <p:notesMasterId r:id="rId7"/>
   </p:notesMasterIdLst>
   <p:sldIdLst>
     <p:sldId id="256" r:id="rId2"/>
     <p:sldId id="257" r:id="rId3"/>
     <p:sldId id="258" r:id="rId4"/>
     <p:sldId id="259" r:id="rId5"/>
+    <p:sldId id="260" r:id="rId6"/>
   </p:sldIdLst>
   <p:sldSz cx="12192000" cy="6858000"/>
   <p:notesSz cx="6858000" cy="9144000"/>
@@ -110,6 +111,11 @@
       </a:defRPr>
     </a:lvl9pPr>
   </p:defaultTextStyle>
+  <p:extLst>
+    <p:ext uri="{EFAFB233-063F-42B5-8137-9DF3F51BA10A}">
+      <p15:sldGuideLst xmlns:p15="http://schemas.microsoft.com/office/powerpoint/2012/main"/>
+    </p:ext>
+  </p:extLst>
 </p:presentation>
 </file>
 
@@ -195,7 +201,7 @@
           <a:p>
             <a:fld id="{A00C6EA6-3249-4DC2-9B96-F3D10C57048A}" type="datetimeFigureOut">
               <a:rPr lang="pl-PL" smtClean="0"/>
-              <a:t>10.06.2025</a:t>
+              <a:t>11.06.2025</a:t>
             </a:fld>
             <a:endParaRPr lang="pl-PL"/>
           </a:p>
@@ -894,7 +900,7 @@
           <a:p>
             <a:fld id="{3CADBD16-5BFB-4D9F-9646-C75D1B53BBB6}" type="datetimeFigureOut">
               <a:rPr lang="en-US" smtClean="0"/>
-              <a:t>6/10/2025</a:t>
+              <a:t>6/11/25</a:t>
             </a:fld>
             <a:endParaRPr lang="en-US"/>
           </a:p>
@@ -1135,7 +1141,7 @@
           <a:p>
             <a:fld id="{3CADBD16-5BFB-4D9F-9646-C75D1B53BBB6}" type="datetimeFigureOut">
               <a:rPr lang="en-US" smtClean="0"/>
-              <a:t>6/10/2025</a:t>
+              <a:t>6/11/25</a:t>
             </a:fld>
             <a:endParaRPr lang="en-US"/>
           </a:p>
@@ -1343,7 +1349,7 @@
           <a:p>
             <a:fld id="{3CADBD16-5BFB-4D9F-9646-C75D1B53BBB6}" type="datetimeFigureOut">
               <a:rPr lang="en-US" smtClean="0"/>
-              <a:t>6/10/2025</a:t>
+              <a:t>6/11/25</a:t>
             </a:fld>
             <a:endParaRPr lang="en-US"/>
           </a:p>
@@ -1541,7 +1547,7 @@
           <a:p>
             <a:fld id="{3CADBD16-5BFB-4D9F-9646-C75D1B53BBB6}" type="datetimeFigureOut">
               <a:rPr lang="en-US" smtClean="0"/>
-              <a:t>6/10/2025</a:t>
+              <a:t>6/11/25</a:t>
             </a:fld>
             <a:endParaRPr lang="en-US"/>
           </a:p>
@@ -1818,7 +1824,7 @@
           <a:p>
             <a:fld id="{3CADBD16-5BFB-4D9F-9646-C75D1B53BBB6}" type="datetimeFigureOut">
               <a:rPr lang="en-US" smtClean="0"/>
-              <a:t>6/10/2025</a:t>
+              <a:t>6/11/25</a:t>
             </a:fld>
             <a:endParaRPr lang="en-US"/>
           </a:p>
@@ -2083,7 +2089,7 @@
           <a:p>
             <a:fld id="{3CADBD16-5BFB-4D9F-9646-C75D1B53BBB6}" type="datetimeFigureOut">
               <a:rPr lang="en-US" smtClean="0"/>
-              <a:t>6/10/2025</a:t>
+              <a:t>6/11/25</a:t>
             </a:fld>
             <a:endParaRPr lang="en-US"/>
           </a:p>
@@ -2499,7 +2505,7 @@
           <a:p>
             <a:fld id="{3CADBD16-5BFB-4D9F-9646-C75D1B53BBB6}" type="datetimeFigureOut">
               <a:rPr lang="en-US" smtClean="0"/>
-              <a:t>6/10/2025</a:t>
+              <a:t>6/11/25</a:t>
             </a:fld>
             <a:endParaRPr lang="en-US"/>
           </a:p>
@@ -2649,7 +2655,7 @@
           <a:p>
             <a:fld id="{3CADBD16-5BFB-4D9F-9646-C75D1B53BBB6}" type="datetimeFigureOut">
               <a:rPr lang="en-US" smtClean="0"/>
-              <a:t>6/10/2025</a:t>
+              <a:t>6/11/25</a:t>
             </a:fld>
             <a:endParaRPr lang="en-US"/>
           </a:p>
@@ -2762,7 +2768,7 @@
           <a:p>
             <a:fld id="{3CADBD16-5BFB-4D9F-9646-C75D1B53BBB6}" type="datetimeFigureOut">
               <a:rPr lang="en-US" smtClean="0"/>
-              <a:t>6/10/2025</a:t>
+              <a:t>6/11/25</a:t>
             </a:fld>
             <a:endParaRPr lang="en-US"/>
           </a:p>
@@ -3078,7 +3084,7 @@
           <a:p>
             <a:fld id="{3CADBD16-5BFB-4D9F-9646-C75D1B53BBB6}" type="datetimeFigureOut">
               <a:rPr lang="en-US" smtClean="0"/>
-              <a:t>6/10/2025</a:t>
+              <a:t>6/11/25</a:t>
             </a:fld>
             <a:endParaRPr lang="en-US"/>
           </a:p>
@@ -3329,7 +3335,7 @@
           <a:p>
             <a:fld id="{3CADBD16-5BFB-4D9F-9646-C75D1B53BBB6}" type="datetimeFigureOut">
               <a:rPr lang="en-US" smtClean="0"/>
-              <a:t>6/10/2025</a:t>
+              <a:t>6/11/25</a:t>
             </a:fld>
             <a:endParaRPr lang="en-US"/>
           </a:p>
@@ -3838,7 +3844,7 @@
             <a:fld id="{3CADBD16-5BFB-4D9F-9646-C75D1B53BBB6}" type="datetimeFigureOut">
               <a:rPr lang="en-US" smtClean="0"/>
               <a:pPr/>
-              <a:t>6/10/2025</a:t>
+              <a:t>6/11/25</a:t>
             </a:fld>
             <a:endParaRPr lang="en-US" dirty="0"/>
           </a:p>
@@ -5679,6 +5685,141 @@
     <p:extLst>
       <p:ext uri="{BB962C8B-B14F-4D97-AF65-F5344CB8AC3E}">
         <p14:creationId xmlns:p14="http://schemas.microsoft.com/office/powerpoint/2010/main" val="3302728371"/>
+      </p:ext>
+    </p:extLst>
+  </p:cSld>
+  <p:clrMapOvr>
+    <a:masterClrMapping/>
+  </p:clrMapOvr>
+</p:sld>
+</file>
+
+<file path=ppt/slides/slide5.xml><?xml version="1.0" encoding="utf-8"?>
+<p:sld xmlns:a="http://schemas.openxmlformats.org/drawingml/2006/main" xmlns:r="http://schemas.openxmlformats.org/officeDocument/2006/relationships" xmlns:p="http://schemas.openxmlformats.org/presentationml/2006/main">
+  <p:cSld>
+    <p:spTree>
+      <p:nvGrpSpPr>
+        <p:cNvPr id="1" name=""/>
+        <p:cNvGrpSpPr/>
+        <p:nvPr/>
+      </p:nvGrpSpPr>
+      <p:grpSpPr>
+        <a:xfrm>
+          <a:off x="0" y="0"/>
+          <a:ext cx="0" cy="0"/>
+          <a:chOff x="0" y="0"/>
+          <a:chExt cx="0" cy="0"/>
+        </a:xfrm>
+      </p:grpSpPr>
+      <p:sp>
+        <p:nvSpPr>
+          <p:cNvPr id="5" name="Tytuł 1">
+            <a:extLst>
+              <a:ext uri="{FF2B5EF4-FFF2-40B4-BE49-F238E27FC236}">
+                <a16:creationId xmlns:a16="http://schemas.microsoft.com/office/drawing/2014/main" id="{21F75C4B-1869-CE63-A4C2-79F1DF5A3C80}"/>
+              </a:ext>
+            </a:extLst>
+          </p:cNvPr>
+          <p:cNvSpPr>
+            <a:spLocks noGrp="1"/>
+          </p:cNvSpPr>
+          <p:nvPr>
+            <p:ph type="title"/>
+          </p:nvPr>
+        </p:nvSpPr>
+        <p:spPr>
+          <a:xfrm>
+            <a:off x="1143000" y="492907"/>
+            <a:ext cx="9905999" cy="1360898"/>
+          </a:xfrm>
+        </p:spPr>
+        <p:txBody>
+          <a:bodyPr/>
+          <a:lstStyle/>
+          <a:p>
+            <a:r>
+              <a:rPr lang="pl-PL" dirty="0"/>
+              <a:t>Zmiany w projekcie</a:t>
+            </a:r>
+          </a:p>
+        </p:txBody>
+      </p:sp>
+      <p:pic>
+        <p:nvPicPr>
+          <p:cNvPr id="9" name="Obraz 8">
+            <a:extLst>
+              <a:ext uri="{FF2B5EF4-FFF2-40B4-BE49-F238E27FC236}">
+                <a16:creationId xmlns:a16="http://schemas.microsoft.com/office/drawing/2014/main" id="{480A6DC8-3F70-FC17-79A2-F45A6AA44BDF}"/>
+              </a:ext>
+            </a:extLst>
+          </p:cNvPr>
+          <p:cNvPicPr>
+            <a:picLocks noChangeAspect="1"/>
+          </p:cNvPicPr>
+          <p:nvPr/>
+        </p:nvPicPr>
+        <p:blipFill>
+          <a:blip r:embed="rId2">
+            <a:extLst>
+              <a:ext uri="{28A0092B-C50C-407E-A947-70E740481C1C}">
+                <a14:useLocalDpi xmlns:a14="http://schemas.microsoft.com/office/drawing/2010/main" val="0"/>
+              </a:ext>
+            </a:extLst>
+          </a:blip>
+          <a:stretch>
+            <a:fillRect/>
+          </a:stretch>
+        </p:blipFill>
+        <p:spPr>
+          <a:xfrm>
+            <a:off x="6535739" y="2116331"/>
+            <a:ext cx="4702726" cy="3611168"/>
+          </a:xfrm>
+          <a:prstGeom prst="rect">
+            <a:avLst/>
+          </a:prstGeom>
+        </p:spPr>
+      </p:pic>
+      <p:pic>
+        <p:nvPicPr>
+          <p:cNvPr id="12" name="Obraz 11">
+            <a:extLst>
+              <a:ext uri="{FF2B5EF4-FFF2-40B4-BE49-F238E27FC236}">
+                <a16:creationId xmlns:a16="http://schemas.microsoft.com/office/drawing/2014/main" id="{9250EFCC-C11A-A5FA-8F25-8B83081B0AEB}"/>
+              </a:ext>
+            </a:extLst>
+          </p:cNvPr>
+          <p:cNvPicPr>
+            <a:picLocks noChangeAspect="1"/>
+          </p:cNvPicPr>
+          <p:nvPr/>
+        </p:nvPicPr>
+        <p:blipFill>
+          <a:blip r:embed="rId3">
+            <a:extLst>
+              <a:ext uri="{28A0092B-C50C-407E-A947-70E740481C1C}">
+                <a14:useLocalDpi xmlns:a14="http://schemas.microsoft.com/office/drawing/2010/main" val="0"/>
+              </a:ext>
+            </a:extLst>
+          </a:blip>
+          <a:stretch>
+            <a:fillRect/>
+          </a:stretch>
+        </p:blipFill>
+        <p:spPr>
+          <a:xfrm>
+            <a:off x="490539" y="2116331"/>
+            <a:ext cx="5165724" cy="3611168"/>
+          </a:xfrm>
+          <a:prstGeom prst="rect">
+            <a:avLst/>
+          </a:prstGeom>
+        </p:spPr>
+      </p:pic>
+    </p:spTree>
+    <p:extLst>
+      <p:ext uri="{BB962C8B-B14F-4D97-AF65-F5344CB8AC3E}">
+        <p14:creationId xmlns:p14="http://schemas.microsoft.com/office/powerpoint/2010/main" val="4251579873"/>
       </p:ext>
     </p:extLst>
   </p:cSld>
